--- a/Team16_PML_PPT.pptx
+++ b/Team16_PML_PPT.pptx
@@ -219,7 +219,7 @@
           <a:p>
             <a:fld id="{C8D18E60-4300-4729-A0D7-6AB984C3922D}" type="datetimeFigureOut">
               <a:rPr lang="en-US" smtClean="0"/>
-              <a:t>2/4/2022</a:t>
+              <a:t>7/12/2024</a:t>
             </a:fld>
             <a:endParaRPr lang="en-US"/>
           </a:p>
@@ -873,7 +873,7 @@
             <a:fld id="{53074F12-AA26-4AC8-9962-C36BB8F32554}" type="datetimeFigureOut">
               <a:rPr lang="en-US" smtClean="0"/>
               <a:pPr/>
-              <a:t>2/4/2022</a:t>
+              <a:t>7/12/2024</a:t>
             </a:fld>
             <a:endParaRPr lang="en-US"/>
           </a:p>
@@ -1127,7 +1127,7 @@
             <a:fld id="{53074F12-AA26-4AC8-9962-C36BB8F32554}" type="datetimeFigureOut">
               <a:rPr lang="en-US" smtClean="0"/>
               <a:pPr/>
-              <a:t>2/4/2022</a:t>
+              <a:t>7/12/2024</a:t>
             </a:fld>
             <a:endParaRPr lang="en-US"/>
           </a:p>
@@ -1297,7 +1297,7 @@
             <a:fld id="{53074F12-AA26-4AC8-9962-C36BB8F32554}" type="datetimeFigureOut">
               <a:rPr lang="en-US" smtClean="0"/>
               <a:pPr/>
-              <a:t>2/4/2022</a:t>
+              <a:t>7/12/2024</a:t>
             </a:fld>
             <a:endParaRPr lang="en-US"/>
           </a:p>
@@ -1477,7 +1477,7 @@
             <a:fld id="{53074F12-AA26-4AC8-9962-C36BB8F32554}" type="datetimeFigureOut">
               <a:rPr lang="en-US" smtClean="0"/>
               <a:pPr/>
-              <a:t>2/4/2022</a:t>
+              <a:t>7/12/2024</a:t>
             </a:fld>
             <a:endParaRPr lang="en-US"/>
           </a:p>
@@ -1759,7 +1759,7 @@
             <a:fld id="{53074F12-AA26-4AC8-9962-C36BB8F32554}" type="datetimeFigureOut">
               <a:rPr lang="en-US" smtClean="0"/>
               <a:pPr/>
-              <a:t>2/4/2022</a:t>
+              <a:t>7/12/2024</a:t>
             </a:fld>
             <a:endParaRPr lang="en-US"/>
           </a:p>
@@ -2006,7 +2006,7 @@
             <a:fld id="{53074F12-AA26-4AC8-9962-C36BB8F32554}" type="datetimeFigureOut">
               <a:rPr lang="en-US" smtClean="0"/>
               <a:pPr/>
-              <a:t>2/4/2022</a:t>
+              <a:t>7/12/2024</a:t>
             </a:fld>
             <a:endParaRPr lang="en-US"/>
           </a:p>
@@ -2253,7 +2253,7 @@
             <a:fld id="{53074F12-AA26-4AC8-9962-C36BB8F32554}" type="datetimeFigureOut">
               <a:rPr lang="en-US" smtClean="0"/>
               <a:pPr/>
-              <a:t>2/4/2022</a:t>
+              <a:t>7/12/2024</a:t>
             </a:fld>
             <a:endParaRPr lang="en-US"/>
           </a:p>
@@ -2540,7 +2540,7 @@
             <a:fld id="{53074F12-AA26-4AC8-9962-C36BB8F32554}" type="datetimeFigureOut">
               <a:rPr lang="en-US" smtClean="0"/>
               <a:pPr/>
-              <a:t>2/4/2022</a:t>
+              <a:t>7/12/2024</a:t>
             </a:fld>
             <a:endParaRPr lang="en-US"/>
           </a:p>
@@ -3027,7 +3027,7 @@
             <a:fld id="{53074F12-AA26-4AC8-9962-C36BB8F32554}" type="datetimeFigureOut">
               <a:rPr lang="en-US" smtClean="0"/>
               <a:pPr/>
-              <a:t>2/4/2022</a:t>
+              <a:t>7/12/2024</a:t>
             </a:fld>
             <a:endParaRPr lang="en-US"/>
           </a:p>
@@ -3146,7 +3146,7 @@
             <a:fld id="{53074F12-AA26-4AC8-9962-C36BB8F32554}" type="datetimeFigureOut">
               <a:rPr lang="en-US" smtClean="0"/>
               <a:pPr/>
-              <a:t>2/4/2022</a:t>
+              <a:t>7/12/2024</a:t>
             </a:fld>
             <a:endParaRPr lang="en-US"/>
           </a:p>
@@ -3243,7 +3243,7 @@
             <a:fld id="{53074F12-AA26-4AC8-9962-C36BB8F32554}" type="datetimeFigureOut">
               <a:rPr lang="en-US" smtClean="0"/>
               <a:pPr/>
-              <a:t>2/4/2022</a:t>
+              <a:t>7/12/2024</a:t>
             </a:fld>
             <a:endParaRPr lang="en-US"/>
           </a:p>
@@ -3520,7 +3520,7 @@
             <a:fld id="{53074F12-AA26-4AC8-9962-C36BB8F32554}" type="datetimeFigureOut">
               <a:rPr lang="en-US" smtClean="0"/>
               <a:pPr/>
-              <a:t>2/4/2022</a:t>
+              <a:t>7/12/2024</a:t>
             </a:fld>
             <a:endParaRPr lang="en-US"/>
           </a:p>
@@ -3742,7 +3742,7 @@
             <a:fld id="{53074F12-AA26-4AC8-9962-C36BB8F32554}" type="datetimeFigureOut">
               <a:rPr lang="en-US" smtClean="0"/>
               <a:pPr/>
-              <a:t>2/4/2022</a:t>
+              <a:t>7/12/2024</a:t>
             </a:fld>
             <a:endParaRPr lang="en-US"/>
           </a:p>
@@ -4246,43 +4246,7 @@
           <a:lstStyle/>
           <a:p>
             <a:pPr algn="ctr"/>
-            <a:r>
-              <a:rPr lang="en-US" sz="1600" u="sng" dirty="0">
-                <a:solidFill>
-                  <a:schemeClr val="tx1"/>
-                </a:solidFill>
-              </a:rPr>
-              <a:t>Submitted by : Team-16</a:t>
-            </a:r>
-          </a:p>
-          <a:p>
-            <a:pPr algn="ctr"/>
-            <a:endParaRPr lang="en-US" sz="200" u="sng" dirty="0">
-              <a:solidFill>
-                <a:schemeClr val="tx1"/>
-              </a:solidFill>
-            </a:endParaRPr>
-          </a:p>
-          <a:p>
-            <a:pPr algn="ctr"/>
-            <a:r>
-              <a:rPr lang="en-US" sz="1600" dirty="0"/>
-              <a:t>BL.EN.U4AIE20023 – UTHEJ K  </a:t>
-            </a:r>
-          </a:p>
-          <a:p>
-            <a:pPr algn="ctr"/>
-            <a:r>
-              <a:rPr lang="en-US" sz="1600" dirty="0"/>
-              <a:t>BL.EN.U4AIE20030 - KOTHURU GURUNADH </a:t>
-            </a:r>
-          </a:p>
-          <a:p>
-            <a:pPr algn="ctr"/>
-            <a:r>
-              <a:rPr lang="en-US" sz="1600" dirty="0"/>
-              <a:t> BL.EN.U4AIE20043 – NIKHIL KUMAR MUSUNURU</a:t>
-            </a:r>
+            <a:endParaRPr lang="en-US" sz="1600" dirty="0"/>
           </a:p>
         </p:txBody>
       </p:sp>
@@ -4301,7 +4265,7 @@
         <p:spPr>
           <a:xfrm>
             <a:off x="4893468" y="566188"/>
-            <a:ext cx="4321969" cy="830997"/>
+            <a:ext cx="4321969" cy="461665"/>
           </a:xfrm>
           <a:prstGeom prst="rect">
             <a:avLst/>
@@ -4316,23 +4280,20 @@
           <a:p>
             <a:pPr algn="ctr"/>
             <a:r>
+              <a:rPr lang="en-US" sz="2400">
+                <a:solidFill>
+                  <a:schemeClr val="bg1"/>
+                </a:solidFill>
+              </a:rPr>
+              <a:t>Python </a:t>
+            </a:r>
+            <a:r>
               <a:rPr lang="en-US" sz="2400" dirty="0">
                 <a:solidFill>
                   <a:schemeClr val="bg1"/>
                 </a:solidFill>
               </a:rPr>
-              <a:t>19AIE205</a:t>
-            </a:r>
-          </a:p>
-          <a:p>
-            <a:pPr algn="ctr"/>
-            <a:r>
-              <a:rPr lang="en-US" sz="2400" dirty="0">
-                <a:solidFill>
-                  <a:schemeClr val="bg1"/>
-                </a:solidFill>
-              </a:rPr>
-              <a:t>Python For Machine Learning</a:t>
+              <a:t>For Machine Learning</a:t>
             </a:r>
             <a:endParaRPr lang="en-IN" sz="2400" dirty="0">
               <a:solidFill>
